--- a/_SLIDES/2020_DEEL1/H8-Arrays/6c_arrays in methoden_mutidim.pptx
+++ b/_SLIDES/2020_DEEL1/H8-Arrays/6c_arrays in methoden_mutidim.pptx
@@ -5,7 +5,7 @@
     <p:sldMasterId id="2147483660" r:id="rId1"/>
   </p:sldMasterIdLst>
   <p:notesMasterIdLst>
-    <p:notesMasterId r:id="rId48"/>
+    <p:notesMasterId r:id="rId49"/>
   </p:notesMasterIdLst>
   <p:sldIdLst>
     <p:sldId id="1983" r:id="rId2"/>
@@ -54,41 +54,42 @@
     <p:sldId id="1979" r:id="rId45"/>
     <p:sldId id="1969" r:id="rId46"/>
     <p:sldId id="1970" r:id="rId47"/>
+    <p:sldId id="330" r:id="rId48"/>
   </p:sldIdLst>
   <p:sldSz cx="12192000" cy="6858000"/>
   <p:notesSz cx="6858000" cy="9144000"/>
   <p:embeddedFontLst>
     <p:embeddedFont>
-      <p:font typeface="Archivo Narrow" panose="020B0506020202020B04" pitchFamily="34" charset="0"/>
-      <p:regular r:id="rId49"/>
-      <p:bold r:id="rId50"/>
-      <p:italic r:id="rId51"/>
+      <p:font typeface="Archivo Narrow" panose="020B0604020202020204" charset="0"/>
+      <p:regular r:id="rId50"/>
+      <p:bold r:id="rId51"/>
+      <p:italic r:id="rId52"/>
     </p:embeddedFont>
     <p:embeddedFont>
-      <p:font typeface="Blogger Sans" panose="02000506030000020004" pitchFamily="50" charset="0"/>
-      <p:regular r:id="rId52"/>
-      <p:bold r:id="rId53"/>
+      <p:font typeface="Blogger Sans" panose="02000506030000020004" charset="0"/>
+      <p:regular r:id="rId53"/>
+      <p:bold r:id="rId54"/>
     </p:embeddedFont>
     <p:embeddedFont>
       <p:font typeface="Calibri" panose="020F0502020204030204" pitchFamily="34" charset="0"/>
-      <p:regular r:id="rId54"/>
-      <p:bold r:id="rId55"/>
-      <p:italic r:id="rId56"/>
-      <p:boldItalic r:id="rId57"/>
+      <p:regular r:id="rId55"/>
+      <p:bold r:id="rId56"/>
+      <p:italic r:id="rId57"/>
+      <p:boldItalic r:id="rId58"/>
     </p:embeddedFont>
     <p:embeddedFont>
       <p:font typeface="Consolas" panose="020B0609020204030204" pitchFamily="49" charset="0"/>
-      <p:regular r:id="rId58"/>
-      <p:bold r:id="rId59"/>
-      <p:italic r:id="rId60"/>
-      <p:boldItalic r:id="rId61"/>
+      <p:regular r:id="rId59"/>
+      <p:bold r:id="rId60"/>
+      <p:italic r:id="rId61"/>
+      <p:boldItalic r:id="rId62"/>
     </p:embeddedFont>
     <p:embeddedFont>
       <p:font typeface="Times" panose="02020603050405020304" pitchFamily="18" charset="0"/>
-      <p:regular r:id="rId62"/>
-      <p:bold r:id="rId63"/>
-      <p:italic r:id="rId64"/>
-      <p:boldItalic r:id="rId65"/>
+      <p:regular r:id="rId63"/>
+      <p:bold r:id="rId64"/>
+      <p:italic r:id="rId65"/>
+      <p:boldItalic r:id="rId66"/>
     </p:embeddedFont>
   </p:embeddedFontLst>
   <p:defaultTextStyle>
@@ -14375,7 +14376,7 @@
           <a:p>
             <a:fld id="{AAB1E9D1-C262-4CF5-AED2-7DBFF7C74527}" type="datetimeFigureOut">
               <a:rPr lang="nl-BE" smtClean="0"/>
-              <a:t>19/10/2020</a:t>
+              <a:t>2/05/2023</a:t>
             </a:fld>
             <a:endParaRPr lang="nl-BE"/>
           </a:p>
@@ -17054,7 +17055,7 @@
           <a:p>
             <a:fld id="{2C48B411-EF7A-418E-9C83-135FB1E4AB51}" type="datetime1">
               <a:rPr lang="nl-BE" smtClean="0"/>
-              <a:t>19/10/2020</a:t>
+              <a:t>2/05/2023</a:t>
             </a:fld>
             <a:endParaRPr lang="nl-BE"/>
           </a:p>
@@ -17082,8 +17083,8 @@
           <a:lstStyle/>
           <a:p>
             <a:r>
-              <a:rPr lang="nl-BE"/>
-              <a:t>Zie Scherp</a:t>
+              <a:rPr lang="nl-BE" dirty="0"/>
+              <a:t>Zie Scherp Scherper</a:t>
             </a:r>
           </a:p>
         </p:txBody>
@@ -17350,7 +17351,7 @@
           <a:p>
             <a:fld id="{26F12901-EF62-43DD-A98D-ACEA83C2F2F9}" type="datetime1">
               <a:rPr lang="nl-BE" smtClean="0"/>
-              <a:t>19/10/2020</a:t>
+              <a:t>2/05/2023</a:t>
             </a:fld>
             <a:endParaRPr lang="nl-BE"/>
           </a:p>
@@ -17378,8 +17379,8 @@
           <a:lstStyle/>
           <a:p>
             <a:r>
-              <a:rPr lang="nl-BE"/>
-              <a:t>Zie Scherp</a:t>
+              <a:rPr lang="nl-BE" dirty="0"/>
+              <a:t>Zie Scherp Scherper</a:t>
             </a:r>
           </a:p>
         </p:txBody>
@@ -17563,7 +17564,7 @@
           <a:p>
             <a:fld id="{9E47AE24-41B1-43A2-B3A4-2B95149E9C07}" type="datetime1">
               <a:rPr lang="nl-BE" smtClean="0"/>
-              <a:t>19/10/2020</a:t>
+              <a:t>2/05/2023</a:t>
             </a:fld>
             <a:endParaRPr lang="nl-BE"/>
           </a:p>
@@ -17591,8 +17592,8 @@
           <a:lstStyle/>
           <a:p>
             <a:r>
-              <a:rPr lang="nl-BE"/>
-              <a:t>Zie Scherp</a:t>
+              <a:rPr lang="nl-BE" dirty="0"/>
+              <a:t>Zie Scherp Scherper</a:t>
             </a:r>
           </a:p>
         </p:txBody>
@@ -17796,7 +17797,7 @@
           <a:p>
             <a:fld id="{2E48E7A9-B9D2-45AA-8F3D-B29CF641C83C}" type="datetime1">
               <a:rPr lang="nl-BE" smtClean="0"/>
-              <a:t>19/10/2020</a:t>
+              <a:t>2/05/2023</a:t>
             </a:fld>
             <a:endParaRPr lang="nl-BE"/>
           </a:p>
@@ -17824,8 +17825,8 @@
           <a:lstStyle/>
           <a:p>
             <a:r>
-              <a:rPr lang="nl-BE"/>
-              <a:t>Zie Scherp</a:t>
+              <a:rPr lang="nl-BE" dirty="0"/>
+              <a:t>Zie Scherp Scherper</a:t>
             </a:r>
           </a:p>
         </p:txBody>
@@ -18075,7 +18076,7 @@
           <a:p>
             <a:fld id="{853C72CD-04F8-457F-ABEF-A7F5782CD34A}" type="datetime1">
               <a:rPr lang="nl-BE" smtClean="0"/>
-              <a:t>19/10/2020</a:t>
+              <a:t>2/05/2023</a:t>
             </a:fld>
             <a:endParaRPr lang="nl-BE"/>
           </a:p>
@@ -18103,8 +18104,8 @@
           <a:lstStyle/>
           <a:p>
             <a:r>
-              <a:rPr lang="nl-BE"/>
-              <a:t>Zie Scherp</a:t>
+              <a:rPr lang="nl-BE" dirty="0"/>
+              <a:t>Zie Scherp Scherper</a:t>
             </a:r>
           </a:p>
         </p:txBody>
@@ -18346,7 +18347,7 @@
           <a:p>
             <a:fld id="{89D4CF42-B39C-445E-A493-A63C607698A7}" type="datetime1">
               <a:rPr lang="nl-BE" smtClean="0"/>
-              <a:t>19/10/2020</a:t>
+              <a:t>2/05/2023</a:t>
             </a:fld>
             <a:endParaRPr lang="nl-BE"/>
           </a:p>
@@ -18374,8 +18375,8 @@
           <a:lstStyle/>
           <a:p>
             <a:r>
-              <a:rPr lang="nl-BE"/>
-              <a:t>Zie Scherp</a:t>
+              <a:rPr lang="nl-BE" dirty="0"/>
+              <a:t>Zie Scherp Scherper</a:t>
             </a:r>
           </a:p>
         </p:txBody>
@@ -18764,7 +18765,7 @@
           <a:p>
             <a:fld id="{69904A85-E11B-4401-AA0C-321CE8A2B2EE}" type="datetime1">
               <a:rPr lang="nl-BE" smtClean="0"/>
-              <a:t>19/10/2020</a:t>
+              <a:t>2/05/2023</a:t>
             </a:fld>
             <a:endParaRPr lang="nl-BE"/>
           </a:p>
@@ -18792,8 +18793,8 @@
           <a:lstStyle/>
           <a:p>
             <a:r>
-              <a:rPr lang="nl-BE"/>
-              <a:t>Zie Scherp</a:t>
+              <a:rPr lang="nl-BE" dirty="0"/>
+              <a:t>Zie Scherp Scherper</a:t>
             </a:r>
           </a:p>
         </p:txBody>
@@ -18909,7 +18910,7 @@
           <a:p>
             <a:fld id="{DBF02E16-70A4-44F3-B637-CFD01C8E7777}" type="datetime1">
               <a:rPr lang="nl-BE" smtClean="0"/>
-              <a:t>19/10/2020</a:t>
+              <a:t>2/05/2023</a:t>
             </a:fld>
             <a:endParaRPr lang="nl-BE"/>
           </a:p>
@@ -18937,8 +18938,8 @@
           <a:lstStyle/>
           <a:p>
             <a:r>
-              <a:rPr lang="nl-BE"/>
-              <a:t>Zie Scherp</a:t>
+              <a:rPr lang="nl-BE" dirty="0"/>
+              <a:t>Zie Scherp Scherper</a:t>
             </a:r>
           </a:p>
         </p:txBody>
@@ -19025,7 +19026,7 @@
           <a:p>
             <a:fld id="{7ABB9EE2-4884-4261-A33D-3BD706E5B907}" type="datetime1">
               <a:rPr lang="nl-BE" smtClean="0"/>
-              <a:t>19/10/2020</a:t>
+              <a:t>2/05/2023</a:t>
             </a:fld>
             <a:endParaRPr lang="nl-BE"/>
           </a:p>
@@ -19053,8 +19054,8 @@
           <a:lstStyle/>
           <a:p>
             <a:r>
-              <a:rPr lang="nl-BE"/>
-              <a:t>Zie Scherp</a:t>
+              <a:rPr lang="nl-BE" dirty="0"/>
+              <a:t>Zie Scherp Scherper</a:t>
             </a:r>
           </a:p>
         </p:txBody>
@@ -19341,7 +19342,7 @@
           <a:p>
             <a:fld id="{2DFCF66F-A373-4A11-8D16-C8430CD8FF54}" type="datetime1">
               <a:rPr lang="nl-BE" smtClean="0"/>
-              <a:t>19/10/2020</a:t>
+              <a:t>2/05/2023</a:t>
             </a:fld>
             <a:endParaRPr lang="nl-BE"/>
           </a:p>
@@ -19369,8 +19370,8 @@
           <a:lstStyle/>
           <a:p>
             <a:r>
-              <a:rPr lang="nl-BE"/>
-              <a:t>Zie Scherp</a:t>
+              <a:rPr lang="nl-BE" dirty="0"/>
+              <a:t>Zie Scherp Scherper</a:t>
             </a:r>
           </a:p>
         </p:txBody>
@@ -19637,7 +19638,7 @@
           <a:p>
             <a:fld id="{34CF4759-95DF-4F40-B9B8-1D7CC694F3A3}" type="datetime1">
               <a:rPr lang="nl-BE" smtClean="0"/>
-              <a:t>19/10/2020</a:t>
+              <a:t>2/05/2023</a:t>
             </a:fld>
             <a:endParaRPr lang="nl-BE"/>
           </a:p>
@@ -19665,8 +19666,8 @@
           <a:lstStyle/>
           <a:p>
             <a:r>
-              <a:rPr lang="nl-BE"/>
-              <a:t>Zie Scherp</a:t>
+              <a:rPr lang="nl-BE" dirty="0"/>
+              <a:t>Zie Scherp Scherper</a:t>
             </a:r>
           </a:p>
         </p:txBody>
@@ -19883,7 +19884,7 @@
           <a:p>
             <a:fld id="{29514259-349E-42A0-99A4-3C251DCCF1C9}" type="datetime1">
               <a:rPr lang="nl-BE" smtClean="0"/>
-              <a:t>19/10/2020</a:t>
+              <a:t>2/05/2023</a:t>
             </a:fld>
             <a:endParaRPr lang="nl-BE"/>
           </a:p>
@@ -19929,8 +19930,8 @@
           </a:lstStyle>
           <a:p>
             <a:r>
-              <a:rPr lang="nl-BE"/>
-              <a:t>Zie Scherp</a:t>
+              <a:rPr lang="nl-BE" dirty="0"/>
+              <a:t>Zie Scherp Scherper</a:t>
             </a:r>
           </a:p>
         </p:txBody>
@@ -20471,8 +20472,8 @@
           <a:lstStyle/>
           <a:p>
             <a:r>
-              <a:rPr lang="nl-BE"/>
-              <a:t>Zie Scherp</a:t>
+              <a:rPr lang="nl-BE" dirty="0"/>
+              <a:t>Zie Scherp Scherper</a:t>
             </a:r>
           </a:p>
         </p:txBody>
@@ -20873,8 +20874,8 @@
           <a:lstStyle/>
           <a:p>
             <a:r>
-              <a:rPr lang="nl-BE"/>
-              <a:t>Zie Scherp</a:t>
+              <a:rPr lang="nl-BE" dirty="0"/>
+              <a:t>Zie Scherp Scherper</a:t>
             </a:r>
           </a:p>
         </p:txBody>
@@ -21140,8 +21141,8 @@
           <a:lstStyle/>
           <a:p>
             <a:r>
-              <a:rPr lang="nl-BE"/>
-              <a:t>Zie Scherp</a:t>
+              <a:rPr lang="nl-BE" dirty="0"/>
+              <a:t>Zie Scherp Scherper</a:t>
             </a:r>
           </a:p>
         </p:txBody>
@@ -21424,8 +21425,8 @@
           <a:lstStyle/>
           <a:p>
             <a:r>
-              <a:rPr lang="nl-BE"/>
-              <a:t>Zie Scherp</a:t>
+              <a:rPr lang="nl-BE" dirty="0"/>
+              <a:t>Zie Scherp Scherper</a:t>
             </a:r>
           </a:p>
         </p:txBody>
@@ -21814,8 +21815,8 @@
           <a:lstStyle/>
           <a:p>
             <a:r>
-              <a:rPr lang="nl-BE"/>
-              <a:t>Zie Scherp</a:t>
+              <a:rPr lang="nl-BE" dirty="0"/>
+              <a:t>Zie Scherp Scherper</a:t>
             </a:r>
           </a:p>
         </p:txBody>
@@ -22319,8 +22320,8 @@
           <a:lstStyle/>
           <a:p>
             <a:r>
-              <a:rPr lang="nl-BE"/>
-              <a:t>Zie Scherp</a:t>
+              <a:rPr lang="nl-BE" dirty="0"/>
+              <a:t>Zie Scherp Scherper</a:t>
             </a:r>
           </a:p>
         </p:txBody>
@@ -22646,8 +22647,8 @@
           <a:lstStyle/>
           <a:p>
             <a:r>
-              <a:rPr lang="nl-BE"/>
-              <a:t>Zie Scherp</a:t>
+              <a:rPr lang="nl-BE" dirty="0"/>
+              <a:t>Zie Scherp Scherper</a:t>
             </a:r>
           </a:p>
         </p:txBody>
@@ -23031,8 +23032,8 @@
           <a:lstStyle/>
           <a:p>
             <a:r>
-              <a:rPr lang="nl-BE"/>
-              <a:t>Zie Scherp</a:t>
+              <a:rPr lang="nl-BE" dirty="0"/>
+              <a:t>Zie Scherp Scherper</a:t>
             </a:r>
           </a:p>
         </p:txBody>
@@ -23419,8 +23420,8 @@
           <a:lstStyle/>
           <a:p>
             <a:r>
-              <a:rPr lang="nl-BE"/>
-              <a:t>Zie Scherp</a:t>
+              <a:rPr lang="nl-BE" dirty="0"/>
+              <a:t>Zie Scherp Scherper</a:t>
             </a:r>
           </a:p>
         </p:txBody>
@@ -23952,8 +23953,8 @@
           <a:lstStyle/>
           <a:p>
             <a:r>
-              <a:rPr lang="nl-BE"/>
-              <a:t>Zie Scherp</a:t>
+              <a:rPr lang="nl-BE" dirty="0"/>
+              <a:t>Zie Scherp Scherper</a:t>
             </a:r>
           </a:p>
         </p:txBody>
@@ -24432,8 +24433,8 @@
           <a:lstStyle/>
           <a:p>
             <a:r>
-              <a:rPr lang="nl-BE"/>
-              <a:t>Zie Scherp</a:t>
+              <a:rPr lang="nl-BE" dirty="0"/>
+              <a:t>Zie Scherp Scherper</a:t>
             </a:r>
           </a:p>
         </p:txBody>
@@ -24645,8 +24646,8 @@
           <a:lstStyle/>
           <a:p>
             <a:r>
-              <a:rPr lang="nl-BE"/>
-              <a:t>Zie Scherp</a:t>
+              <a:rPr lang="nl-BE" dirty="0"/>
+              <a:t>Zie Scherp Scherper</a:t>
             </a:r>
           </a:p>
         </p:txBody>
@@ -24821,8 +24822,8 @@
           <a:lstStyle/>
           <a:p>
             <a:r>
-              <a:rPr lang="nl-BE"/>
-              <a:t>Zie Scherp</a:t>
+              <a:rPr lang="nl-BE" dirty="0"/>
+              <a:t>Zie Scherp Scherper</a:t>
             </a:r>
           </a:p>
         </p:txBody>
@@ -24969,8 +24970,8 @@
           <a:lstStyle/>
           <a:p>
             <a:r>
-              <a:rPr lang="nl-BE"/>
-              <a:t>Zie Scherp</a:t>
+              <a:rPr lang="nl-BE" dirty="0"/>
+              <a:t>Zie Scherp Scherper</a:t>
             </a:r>
           </a:p>
         </p:txBody>
@@ -25787,8 +25788,8 @@
           <a:lstStyle/>
           <a:p>
             <a:r>
-              <a:rPr lang="nl-BE"/>
-              <a:t>Zie Scherp</a:t>
+              <a:rPr lang="nl-BE" dirty="0"/>
+              <a:t>Zie Scherp Scherper</a:t>
             </a:r>
           </a:p>
         </p:txBody>
@@ -26267,8 +26268,8 @@
           <a:lstStyle/>
           <a:p>
             <a:r>
-              <a:rPr lang="nl-BE"/>
-              <a:t>Zie Scherp</a:t>
+              <a:rPr lang="nl-BE" dirty="0"/>
+              <a:t>Zie Scherp Scherper</a:t>
             </a:r>
           </a:p>
         </p:txBody>
@@ -26484,8 +26485,8 @@
           <a:lstStyle/>
           <a:p>
             <a:r>
-              <a:rPr lang="nl-BE"/>
-              <a:t>Zie Scherp</a:t>
+              <a:rPr lang="nl-BE" dirty="0"/>
+              <a:t>Zie Scherp Scherper</a:t>
             </a:r>
           </a:p>
         </p:txBody>
@@ -26640,8 +26641,8 @@
           <a:lstStyle/>
           <a:p>
             <a:r>
-              <a:rPr lang="nl-BE"/>
-              <a:t>Zie Scherp</a:t>
+              <a:rPr lang="nl-BE" dirty="0"/>
+              <a:t>Zie Scherp Scherper</a:t>
             </a:r>
           </a:p>
         </p:txBody>
@@ -26888,8 +26889,8 @@
           <a:lstStyle/>
           <a:p>
             <a:r>
-              <a:rPr lang="nl-BE"/>
-              <a:t>Zie Scherp</a:t>
+              <a:rPr lang="nl-BE" dirty="0"/>
+              <a:t>Zie Scherp Scherper</a:t>
             </a:r>
           </a:p>
         </p:txBody>
@@ -27264,8 +27265,8 @@
           <a:lstStyle/>
           <a:p>
             <a:r>
-              <a:rPr lang="nl-BE"/>
-              <a:t>Zie Scherp</a:t>
+              <a:rPr lang="nl-BE" dirty="0"/>
+              <a:t>Zie Scherp Scherper</a:t>
             </a:r>
           </a:p>
         </p:txBody>
@@ -27649,8 +27650,8 @@
           <a:lstStyle/>
           <a:p>
             <a:r>
-              <a:rPr lang="nl-BE"/>
-              <a:t>Zie Scherp</a:t>
+              <a:rPr lang="nl-BE" dirty="0"/>
+              <a:t>Zie Scherp Scherper</a:t>
             </a:r>
           </a:p>
         </p:txBody>
@@ -28040,8 +28041,8 @@
           <a:lstStyle/>
           <a:p>
             <a:r>
-              <a:rPr lang="nl-BE"/>
-              <a:t>Zie Scherp</a:t>
+              <a:rPr lang="nl-BE" dirty="0"/>
+              <a:t>Zie Scherp Scherper</a:t>
             </a:r>
           </a:p>
         </p:txBody>
@@ -28189,13 +28190,50 @@
               <a:defRPr/>
             </a:pPr>
             <a:r>
-              <a:rPr lang="en-US">
+              <a:rPr lang="en-US" dirty="0" err="1">
                 <a:solidFill>
                   <a:schemeClr val="tx1"/>
                 </a:solidFill>
               </a:rPr>
-              <a:t>Zie Scherp</a:t>
-            </a:r>
+              <a:t>Zie</a:t>
+            </a:r>
+            <a:r>
+              <a:rPr lang="en-US" dirty="0">
+                <a:solidFill>
+                  <a:schemeClr val="tx1"/>
+                </a:solidFill>
+              </a:rPr>
+              <a:t> </a:t>
+            </a:r>
+            <a:r>
+              <a:rPr lang="en-US" dirty="0" err="1">
+                <a:solidFill>
+                  <a:schemeClr val="tx1"/>
+                </a:solidFill>
+              </a:rPr>
+              <a:t>Scherp</a:t>
+            </a:r>
+            <a:r>
+              <a:rPr lang="en-US" dirty="0">
+                <a:solidFill>
+                  <a:schemeClr val="tx1"/>
+                </a:solidFill>
+              </a:rPr>
+              <a:t> </a:t>
+            </a:r>
+            <a:r>
+              <a:rPr lang="en-US" dirty="0" err="1">
+                <a:solidFill>
+                  <a:schemeClr val="tx1"/>
+                </a:solidFill>
+              </a:rPr>
+              <a:t>Scherper</a:t>
+            </a:r>
+            <a:endParaRPr lang="en-US" dirty="0">
+              <a:solidFill>
+                <a:schemeClr val="tx1"/>
+              </a:solidFill>
+            </a:endParaRPr>
           </a:p>
         </p:txBody>
       </p:sp>
@@ -28393,8 +28431,8 @@
           <a:lstStyle/>
           <a:p>
             <a:r>
-              <a:rPr lang="nl-BE"/>
-              <a:t>Zie Scherp</a:t>
+              <a:rPr lang="nl-BE" dirty="0"/>
+              <a:t>Zie Scherp Scherper</a:t>
             </a:r>
           </a:p>
         </p:txBody>
@@ -28640,8 +28678,8 @@
           <a:lstStyle/>
           <a:p>
             <a:r>
-              <a:rPr lang="nl-BE"/>
-              <a:t>Zie Scherp</a:t>
+              <a:rPr lang="nl-BE" dirty="0"/>
+              <a:t>Zie Scherp Scherper</a:t>
             </a:r>
           </a:p>
         </p:txBody>
@@ -28788,8 +28826,8 @@
           <a:lstStyle/>
           <a:p>
             <a:r>
-              <a:rPr lang="nl-BE"/>
-              <a:t>Zie Scherp</a:t>
+              <a:rPr lang="nl-BE" dirty="0"/>
+              <a:t>Zie Scherp Scherper</a:t>
             </a:r>
           </a:p>
         </p:txBody>
@@ -29657,8 +29695,8 @@
           <a:lstStyle/>
           <a:p>
             <a:r>
-              <a:rPr lang="nl-BE"/>
-              <a:t>Zie Scherp</a:t>
+              <a:rPr lang="nl-BE" dirty="0"/>
+              <a:t>Zie Scherp Scherper</a:t>
             </a:r>
           </a:p>
         </p:txBody>
@@ -30064,8 +30102,8 @@
           <a:lstStyle/>
           <a:p>
             <a:r>
-              <a:rPr lang="nl-BE"/>
-              <a:t>Zie Scherp</a:t>
+              <a:rPr lang="nl-BE" dirty="0"/>
+              <a:t>Zie Scherp Scherper</a:t>
             </a:r>
           </a:p>
         </p:txBody>
@@ -30706,8 +30744,8 @@
           <a:lstStyle/>
           <a:p>
             <a:r>
-              <a:rPr lang="nl-BE"/>
-              <a:t>Zie Scherp</a:t>
+              <a:rPr lang="nl-BE" dirty="0"/>
+              <a:t>Zie Scherp Scherper</a:t>
             </a:r>
           </a:p>
         </p:txBody>
@@ -31062,8 +31100,8 @@
           <a:lstStyle/>
           <a:p>
             <a:r>
-              <a:rPr lang="nl-BE"/>
-              <a:t>Zie Scherp</a:t>
+              <a:rPr lang="nl-BE" dirty="0"/>
+              <a:t>Zie Scherp Scherper</a:t>
             </a:r>
           </a:p>
         </p:txBody>
@@ -31759,8 +31797,8 @@
           <a:lstStyle/>
           <a:p>
             <a:r>
-              <a:rPr lang="nl-BE"/>
-              <a:t>Zie Scherp</a:t>
+              <a:rPr lang="nl-BE" dirty="0"/>
+              <a:t>Zie Scherp Scherper</a:t>
             </a:r>
           </a:p>
         </p:txBody>
@@ -31996,8 +32034,8 @@
           <a:lstStyle/>
           <a:p>
             <a:r>
-              <a:rPr lang="nl-BE"/>
-              <a:t>Zie Scherp</a:t>
+              <a:rPr lang="nl-BE" dirty="0"/>
+              <a:t>Zie Scherp Scherper</a:t>
             </a:r>
           </a:p>
         </p:txBody>
@@ -32134,8 +32172,8 @@
           <a:lstStyle/>
           <a:p>
             <a:r>
-              <a:rPr lang="nl-BE"/>
-              <a:t>Zie Scherp</a:t>
+              <a:rPr lang="nl-BE" dirty="0"/>
+              <a:t>Zie Scherp Scherper</a:t>
             </a:r>
           </a:p>
         </p:txBody>
@@ -32505,8 +32543,8 @@
           <a:lstStyle/>
           <a:p>
             <a:r>
-              <a:rPr lang="nl-BE"/>
-              <a:t>Zie Scherp</a:t>
+              <a:rPr lang="nl-BE" dirty="0"/>
+              <a:t>Zie Scherp Scherper</a:t>
             </a:r>
           </a:p>
         </p:txBody>
@@ -32710,8 +32748,8 @@
           <a:lstStyle/>
           <a:p>
             <a:r>
-              <a:rPr lang="nl-BE"/>
-              <a:t>Zie Scherp</a:t>
+              <a:rPr lang="nl-BE" dirty="0"/>
+              <a:t>Zie Scherp Scherper</a:t>
             </a:r>
           </a:p>
         </p:txBody>
@@ -32952,8 +32990,8 @@
           <a:lstStyle/>
           <a:p>
             <a:r>
-              <a:rPr lang="nl-BE"/>
-              <a:t>Zie Scherp</a:t>
+              <a:rPr lang="nl-BE" dirty="0"/>
+              <a:t>Zie Scherp Scherper</a:t>
             </a:r>
           </a:p>
         </p:txBody>
@@ -33302,8 +33340,8 @@
           <a:lstStyle/>
           <a:p>
             <a:r>
-              <a:rPr lang="nl-BE"/>
-              <a:t>Zie Scherp</a:t>
+              <a:rPr lang="nl-BE" dirty="0"/>
+              <a:t>Zie Scherp Scherper</a:t>
             </a:r>
           </a:p>
         </p:txBody>
@@ -34295,8 +34333,8 @@
           <a:lstStyle/>
           <a:p>
             <a:r>
-              <a:rPr lang="nl-BE"/>
-              <a:t>Zie Scherp</a:t>
+              <a:rPr lang="nl-BE" dirty="0"/>
+              <a:t>Zie Scherp Scherper</a:t>
             </a:r>
           </a:p>
         </p:txBody>
@@ -35616,8 +35654,8 @@
           <a:lstStyle/>
           <a:p>
             <a:r>
-              <a:rPr lang="nl-BE"/>
-              <a:t>Zie Scherp</a:t>
+              <a:rPr lang="nl-BE" dirty="0"/>
+              <a:t>Zie Scherp Scherper</a:t>
             </a:r>
           </a:p>
         </p:txBody>
@@ -35972,8 +36010,8 @@
           <a:lstStyle/>
           <a:p>
             <a:r>
-              <a:rPr lang="nl-BE"/>
-              <a:t>Zie Scherp</a:t>
+              <a:rPr lang="nl-BE" dirty="0"/>
+              <a:t>Zie Scherp Scherper</a:t>
             </a:r>
           </a:p>
         </p:txBody>
@@ -36269,8 +36307,8 @@
           <a:lstStyle/>
           <a:p>
             <a:r>
-              <a:rPr lang="nl-BE"/>
-              <a:t>Zie Scherp</a:t>
+              <a:rPr lang="nl-BE" dirty="0"/>
+              <a:t>Zie Scherp Scherper</a:t>
             </a:r>
           </a:p>
         </p:txBody>
@@ -36279,6 +36317,302 @@
     <p:extLst>
       <p:ext uri="{BB962C8B-B14F-4D97-AF65-F5344CB8AC3E}">
         <p14:creationId xmlns:p14="http://schemas.microsoft.com/office/powerpoint/2010/main" val="3478122100"/>
+      </p:ext>
+    </p:extLst>
+  </p:cSld>
+  <p:clrMapOvr>
+    <a:masterClrMapping/>
+  </p:clrMapOvr>
+</p:sld>
+</file>
+
+<file path=ppt/slides/slide47.xml><?xml version="1.0" encoding="utf-8"?>
+<p:sld xmlns:a="http://schemas.openxmlformats.org/drawingml/2006/main" xmlns:r="http://schemas.openxmlformats.org/officeDocument/2006/relationships" xmlns:p="http://schemas.openxmlformats.org/presentationml/2006/main">
+  <p:cSld>
+    <p:spTree>
+      <p:nvGrpSpPr>
+        <p:cNvPr id="1" name=""/>
+        <p:cNvGrpSpPr/>
+        <p:nvPr/>
+      </p:nvGrpSpPr>
+      <p:grpSpPr>
+        <a:xfrm>
+          <a:off x="0" y="0"/>
+          <a:ext cx="0" cy="0"/>
+          <a:chOff x="0" y="0"/>
+          <a:chExt cx="0" cy="0"/>
+        </a:xfrm>
+      </p:grpSpPr>
+      <p:sp>
+        <p:nvSpPr>
+          <p:cNvPr id="6" name="Rechthoek 5">
+            <a:extLst>
+              <a:ext uri="{FF2B5EF4-FFF2-40B4-BE49-F238E27FC236}">
+                <a16:creationId xmlns:a16="http://schemas.microsoft.com/office/drawing/2014/main" id="{C1CC89C1-DC1E-917B-D25E-69B5776D404F}"/>
+              </a:ext>
+            </a:extLst>
+          </p:cNvPr>
+          <p:cNvSpPr/>
+          <p:nvPr/>
+        </p:nvSpPr>
+        <p:spPr>
+          <a:xfrm>
+            <a:off x="838200" y="5085184"/>
+            <a:ext cx="10658400" cy="864096"/>
+          </a:xfrm>
+          <a:prstGeom prst="rect">
+            <a:avLst/>
+          </a:prstGeom>
+        </p:spPr>
+        <p:style>
+          <a:lnRef idx="2">
+            <a:schemeClr val="accent4">
+              <a:shade val="50000"/>
+            </a:schemeClr>
+          </a:lnRef>
+          <a:fillRef idx="1">
+            <a:schemeClr val="accent4"/>
+          </a:fillRef>
+          <a:effectRef idx="0">
+            <a:schemeClr val="accent4"/>
+          </a:effectRef>
+          <a:fontRef idx="minor">
+            <a:schemeClr val="lt1"/>
+          </a:fontRef>
+        </p:style>
+        <p:txBody>
+          <a:bodyPr rtlCol="0" anchor="ctr"/>
+          <a:lstStyle/>
+          <a:p>
+            <a:pPr algn="ctr"/>
+            <a:endParaRPr lang="nl-NL"/>
+          </a:p>
+        </p:txBody>
+      </p:sp>
+      <p:sp>
+        <p:nvSpPr>
+          <p:cNvPr id="2" name="Titel 1">
+            <a:extLst>
+              <a:ext uri="{FF2B5EF4-FFF2-40B4-BE49-F238E27FC236}">
+                <a16:creationId xmlns:a16="http://schemas.microsoft.com/office/drawing/2014/main" id="{6F8E1924-B892-8B5A-7836-BE57C96EF1D8}"/>
+              </a:ext>
+            </a:extLst>
+          </p:cNvPr>
+          <p:cNvSpPr>
+            <a:spLocks noGrp="1"/>
+          </p:cNvSpPr>
+          <p:nvPr>
+            <p:ph type="title"/>
+          </p:nvPr>
+        </p:nvSpPr>
+        <p:spPr/>
+        <p:txBody>
+          <a:bodyPr/>
+          <a:lstStyle/>
+          <a:p>
+            <a:r>
+              <a:rPr lang="en-US" dirty="0"/>
+              <a:t>Meer info</a:t>
+            </a:r>
+            <a:endParaRPr lang="nl-NL" dirty="0"/>
+          </a:p>
+        </p:txBody>
+      </p:sp>
+      <p:sp>
+        <p:nvSpPr>
+          <p:cNvPr id="3" name="Tijdelijke aanduiding voor inhoud 2">
+            <a:extLst>
+              <a:ext uri="{FF2B5EF4-FFF2-40B4-BE49-F238E27FC236}">
+                <a16:creationId xmlns:a16="http://schemas.microsoft.com/office/drawing/2014/main" id="{E732A4CC-42D6-F95B-C0C5-FF2A05D19786}"/>
+              </a:ext>
+            </a:extLst>
+          </p:cNvPr>
+          <p:cNvSpPr>
+            <a:spLocks noGrp="1"/>
+          </p:cNvSpPr>
+          <p:nvPr>
+            <p:ph idx="1"/>
+          </p:nvPr>
+        </p:nvSpPr>
+        <p:spPr>
+          <a:xfrm>
+            <a:off x="838200" y="1825624"/>
+            <a:ext cx="10515600" cy="4267671"/>
+          </a:xfrm>
+        </p:spPr>
+        <p:txBody>
+          <a:bodyPr>
+            <a:normAutofit fontScale="92500" lnSpcReduction="10000"/>
+          </a:bodyPr>
+          <a:lstStyle/>
+          <a:p>
+            <a:r>
+              <a:rPr lang="nl-BE" dirty="0"/>
+              <a:t>Slides gemaakt door </a:t>
+            </a:r>
+          </a:p>
+          <a:p>
+            <a:pPr lvl="1"/>
+            <a:r>
+              <a:rPr lang="nl-BE" dirty="0"/>
+              <a:t>Tim Dams (</a:t>
+            </a:r>
+            <a:r>
+              <a:rPr lang="nl-BE" dirty="0">
+                <a:hlinkClick r:id="rId2" action="ppaction://hlinkfile"/>
+              </a:rPr>
+              <a:t>ziescherp.be</a:t>
+            </a:r>
+            <a:r>
+              <a:rPr lang="nl-BE" dirty="0"/>
+              <a:t>), AP Hogeschool opleidingen elektronica-</a:t>
+            </a:r>
+            <a:r>
+              <a:rPr lang="nl-BE" dirty="0" err="1"/>
+              <a:t>ict</a:t>
+            </a:r>
+            <a:r>
+              <a:rPr lang="nl-BE" dirty="0"/>
+              <a:t> en toegepaste informatica</a:t>
+            </a:r>
+          </a:p>
+          <a:p>
+            <a:pPr lvl="1"/>
+            <a:endParaRPr lang="nl-BE" dirty="0"/>
+          </a:p>
+          <a:p>
+            <a:r>
+              <a:rPr lang="nl-BE" dirty="0"/>
+              <a:t>Sommige slides gebaseerd of gekopieerd van slidedecks van:</a:t>
+            </a:r>
+          </a:p>
+          <a:p>
+            <a:pPr lvl="1"/>
+            <a:r>
+              <a:rPr lang="nl-BE" sz="2200" dirty="0"/>
+              <a:t>Programmeren in C# door Douglas Bell en Mike Parr (vert. Kris Hermans)</a:t>
+            </a:r>
+          </a:p>
+          <a:p>
+            <a:pPr lvl="1"/>
+            <a:r>
+              <a:rPr lang="nl-BE" sz="2200" dirty="0"/>
+              <a:t>Microsoft Visual C# 2015: An </a:t>
+            </a:r>
+            <a:r>
+              <a:rPr lang="nl-BE" sz="2200" dirty="0" err="1"/>
+              <a:t>Introduction</a:t>
+            </a:r>
+            <a:r>
+              <a:rPr lang="nl-BE" sz="2200" dirty="0"/>
+              <a:t> </a:t>
+            </a:r>
+            <a:r>
+              <a:rPr lang="nl-BE" sz="2200" dirty="0" err="1"/>
+              <a:t>to</a:t>
+            </a:r>
+            <a:r>
+              <a:rPr lang="nl-BE" sz="2200" dirty="0"/>
+              <a:t> Object-</a:t>
+            </a:r>
+            <a:r>
+              <a:rPr lang="nl-BE" sz="2200" dirty="0" err="1"/>
+              <a:t>Oriented</a:t>
+            </a:r>
+            <a:r>
+              <a:rPr lang="nl-BE" sz="2200" dirty="0"/>
+              <a:t> Programming door Joyce </a:t>
+            </a:r>
+            <a:r>
+              <a:rPr lang="nl-BE" sz="2200" dirty="0" err="1"/>
+              <a:t>Farrell</a:t>
+            </a:r>
+            <a:endParaRPr lang="nl-BE" sz="2200" dirty="0"/>
+          </a:p>
+          <a:p>
+            <a:pPr lvl="1"/>
+            <a:r>
+              <a:rPr lang="nl-BE" dirty="0"/>
+              <a:t>E.a.</a:t>
+            </a:r>
+          </a:p>
+          <a:p>
+            <a:pPr lvl="1"/>
+            <a:endParaRPr lang="nl-BE" dirty="0"/>
+          </a:p>
+          <a:p>
+            <a:pPr lvl="1"/>
+            <a:endParaRPr lang="nl-BE" dirty="0"/>
+          </a:p>
+          <a:p>
+            <a:r>
+              <a:rPr lang="nl-BE" b="1" dirty="0"/>
+              <a:t>Slides mogen aangepast worden, op voorwaarde dat deze slide steeds achteraan de slidedeck staat.</a:t>
+            </a:r>
+          </a:p>
+        </p:txBody>
+      </p:sp>
+      <p:sp>
+        <p:nvSpPr>
+          <p:cNvPr id="4" name="Tijdelijke aanduiding voor voettekst 3">
+            <a:extLst>
+              <a:ext uri="{FF2B5EF4-FFF2-40B4-BE49-F238E27FC236}">
+                <a16:creationId xmlns:a16="http://schemas.microsoft.com/office/drawing/2014/main" id="{4C3978F3-3532-3F17-E9AB-E248272BA1E3}"/>
+              </a:ext>
+            </a:extLst>
+          </p:cNvPr>
+          <p:cNvSpPr>
+            <a:spLocks noGrp="1"/>
+          </p:cNvSpPr>
+          <p:nvPr>
+            <p:ph type="ftr" sz="quarter" idx="11"/>
+          </p:nvPr>
+        </p:nvSpPr>
+        <p:spPr/>
+        <p:txBody>
+          <a:bodyPr/>
+          <a:lstStyle/>
+          <a:p>
+            <a:r>
+              <a:rPr lang="nl-BE" dirty="0"/>
+              <a:t>Zie Scherp Scherper</a:t>
+            </a:r>
+          </a:p>
+        </p:txBody>
+      </p:sp>
+      <p:sp>
+        <p:nvSpPr>
+          <p:cNvPr id="5" name="Tijdelijke aanduiding voor dianummer 4">
+            <a:extLst>
+              <a:ext uri="{FF2B5EF4-FFF2-40B4-BE49-F238E27FC236}">
+                <a16:creationId xmlns:a16="http://schemas.microsoft.com/office/drawing/2014/main" id="{9769B4E3-C3FC-8575-9CA3-EE3F06738607}"/>
+              </a:ext>
+            </a:extLst>
+          </p:cNvPr>
+          <p:cNvSpPr>
+            <a:spLocks noGrp="1"/>
+          </p:cNvSpPr>
+          <p:nvPr>
+            <p:ph type="sldNum" sz="quarter" idx="12"/>
+          </p:nvPr>
+        </p:nvSpPr>
+        <p:spPr/>
+        <p:txBody>
+          <a:bodyPr/>
+          <a:lstStyle/>
+          <a:p>
+            <a:fld id="{E8A62353-F7CD-46ED-8877-B27D0E33FCF8}" type="slidenum">
+              <a:rPr lang="nl-BE" smtClean="0"/>
+              <a:t>47</a:t>
+            </a:fld>
+            <a:endParaRPr lang="nl-BE"/>
+          </a:p>
+        </p:txBody>
+      </p:sp>
+    </p:spTree>
+    <p:extLst>
+      <p:ext uri="{BB962C8B-B14F-4D97-AF65-F5344CB8AC3E}">
+        <p14:creationId xmlns:p14="http://schemas.microsoft.com/office/powerpoint/2010/main" val="106072752"/>
       </p:ext>
     </p:extLst>
   </p:cSld>
@@ -37415,8 +37749,8 @@
           <a:lstStyle/>
           <a:p>
             <a:r>
-              <a:rPr lang="nl-BE"/>
-              <a:t>Zie Scherp</a:t>
+              <a:rPr lang="nl-BE" dirty="0"/>
+              <a:t>Zie Scherp Scherper</a:t>
             </a:r>
           </a:p>
         </p:txBody>
@@ -37767,8 +38101,8 @@
           <a:lstStyle/>
           <a:p>
             <a:r>
-              <a:rPr lang="nl-BE"/>
-              <a:t>Zie Scherp</a:t>
+              <a:rPr lang="nl-BE" dirty="0"/>
+              <a:t>Zie Scherp Scherper</a:t>
             </a:r>
           </a:p>
         </p:txBody>
@@ -38275,8 +38609,8 @@
           <a:lstStyle/>
           <a:p>
             <a:r>
-              <a:rPr lang="nl-BE"/>
-              <a:t>Zie Scherp</a:t>
+              <a:rPr lang="nl-BE" dirty="0"/>
+              <a:t>Zie Scherp Scherper</a:t>
             </a:r>
           </a:p>
         </p:txBody>
@@ -39549,8 +39883,8 @@
           <a:lstStyle/>
           <a:p>
             <a:r>
-              <a:rPr lang="nl-BE"/>
-              <a:t>Zie Scherp</a:t>
+              <a:rPr lang="nl-BE" dirty="0"/>
+              <a:t>Zie Scherp Scherper</a:t>
             </a:r>
           </a:p>
         </p:txBody>
@@ -40017,8 +40351,8 @@
           <a:lstStyle/>
           <a:p>
             <a:r>
-              <a:rPr lang="nl-BE"/>
-              <a:t>Zie Scherp</a:t>
+              <a:rPr lang="nl-BE" dirty="0"/>
+              <a:t>Zie Scherp Scherper</a:t>
             </a:r>
           </a:p>
         </p:txBody>
